--- a/docker勉強会Vol1(Dockerの基本).pptx
+++ b/docker勉強会Vol1(Dockerの基本).pptx
@@ -38,8 +38,6 @@
     <p:sldId id="296" r:id="rId32"/>
     <p:sldId id="297" r:id="rId33"/>
     <p:sldId id="293" r:id="rId34"/>
-    <p:sldId id="290" r:id="rId35"/>
-    <p:sldId id="291" r:id="rId36"/>
   </p:sldIdLst>
   <p:sldSz cx="9144000" cy="6858000" type="screen4x3"/>
   <p:notesSz cx="7104063" cy="10234613"/>
@@ -1041,7 +1039,11 @@
             </a:r>
             <a:r>
               <a:rPr kumimoji="1" lang="ja-JP" altLang="en-US" smtClean="0"/>
-              <a:t>の基本とハンズオン～</a:t>
+              <a:t>の</a:t>
+            </a:r>
+            <a:r>
+              <a:rPr kumimoji="1" lang="ja-JP" altLang="en-US" smtClean="0"/>
+              <a:t>基本～</a:t>
             </a:r>
             <a:endParaRPr kumimoji="1" lang="en-US" altLang="ja-JP" smtClean="0"/>
           </a:p>
@@ -1196,6 +1198,7 @@
             </a:r>
           </a:p>
           <a:p>
+            <a:pPr lvl="2"/>
             <a:r>
               <a:rPr kumimoji="1" lang="en-US" altLang="ja-JP" smtClean="0"/>
               <a:t>cgroup</a:t>
@@ -1225,32 +1228,8 @@
           <a:p>
             <a:pPr lvl="1"/>
             <a:r>
-              <a:rPr lang="en-US" altLang="ja-JP" smtClean="0"/>
-              <a:t>Docker</a:t>
-            </a:r>
-            <a:r>
               <a:rPr lang="ja-JP" altLang="en-US" smtClean="0"/>
-              <a:t>は↑を活用して基盤からの分離を実現</a:t>
-            </a:r>
-            <a:endParaRPr lang="en-US" altLang="ja-JP" smtClean="0"/>
-          </a:p>
-          <a:p>
-            <a:pPr lvl="1"/>
-            <a:r>
-              <a:rPr lang="en-US" altLang="ja-JP" smtClean="0"/>
-              <a:t>cgroup</a:t>
-            </a:r>
-            <a:r>
-              <a:rPr lang="ja-JP" altLang="en-US" smtClean="0"/>
-              <a:t>と</a:t>
-            </a:r>
-            <a:r>
-              <a:rPr lang="en-US" altLang="ja-JP" smtClean="0"/>
-              <a:t>namespace</a:t>
-            </a:r>
-            <a:r>
-              <a:rPr lang="ja-JP" altLang="en-US" smtClean="0"/>
-              <a:t>が分かれば</a:t>
+              <a:t>↑が分かれば</a:t>
             </a:r>
             <a:r>
               <a:rPr lang="en-US" altLang="ja-JP" smtClean="0"/>
@@ -1286,8 +1265,8 @@
         </p:blipFill>
         <p:spPr>
           <a:xfrm>
-            <a:off x="2166256" y="3615267"/>
-            <a:ext cx="4876800" cy="2743200"/>
+            <a:off x="1616092" y="3146256"/>
+            <a:ext cx="5900928" cy="3319272"/>
           </a:xfrm>
           <a:prstGeom prst="rect">
             <a:avLst/>
@@ -13986,11 +13965,7 @@
             <a:pPr lvl="1"/>
             <a:r>
               <a:rPr lang="ja-JP" altLang="en-US" smtClean="0"/>
-              <a:t>コンテナ</a:t>
-            </a:r>
-            <a:r>
-              <a:rPr lang="ja-JP" altLang="en-US" smtClean="0"/>
-              <a:t>消すときって結構ある</a:t>
+              <a:t>コンテナ消すときって結構ある</a:t>
             </a:r>
             <a:endParaRPr lang="en-US" altLang="ja-JP" smtClean="0"/>
           </a:p>
@@ -14037,13 +14012,8 @@
             </a:r>
             <a:r>
               <a:rPr lang="en-US" altLang="ja-JP" smtClean="0"/>
-              <a:t>etc</a:t>
-            </a:r>
-            <a:r>
-              <a:rPr lang="en-US" altLang="ja-JP" smtClean="0"/>
-              <a:t>.</a:t>
-            </a:r>
-            <a:endParaRPr lang="en-US" altLang="ja-JP" smtClean="0"/>
+              <a:t>etc.</a:t>
+            </a:r>
           </a:p>
         </p:txBody>
       </p:sp>
@@ -15198,13 +15168,6 @@
               </a:rPr>
               <a:t>まぢむり。。。</a:t>
             </a:r>
-            <a:endParaRPr kumimoji="1" lang="ja-JP" altLang="en-US" smtClean="0">
-              <a:solidFill>
-                <a:schemeClr val="bg1"/>
-              </a:solidFill>
-              <a:latin typeface="Meiryo UI" panose="020B0604030504040204" pitchFamily="50" charset="-128"/>
-              <a:ea typeface="Meiryo UI" panose="020B0604030504040204" pitchFamily="50" charset="-128"/>
-            </a:endParaRPr>
           </a:p>
         </p:txBody>
       </p:sp>
@@ -15370,11 +15333,7 @@
           <a:p>
             <a:r>
               <a:rPr lang="ja-JP" altLang="en-US" smtClean="0"/>
-              <a:t>ボリュームを使って</a:t>
-            </a:r>
-            <a:r>
-              <a:rPr lang="ja-JP" altLang="en-US" smtClean="0"/>
-              <a:t>データを永続化する</a:t>
+              <a:t>ボリュームを使ってデータを永続化する</a:t>
             </a:r>
             <a:endParaRPr lang="en-US" altLang="ja-JP" smtClean="0"/>
           </a:p>
@@ -15406,11 +15365,7 @@
             </a:r>
             <a:r>
               <a:rPr lang="ja-JP" altLang="en-US"/>
-              <a:t>ファイル</a:t>
-            </a:r>
-            <a:r>
-              <a:rPr lang="ja-JP" altLang="en-US"/>
-              <a:t>、</a:t>
+              <a:t>ファイル、</a:t>
             </a:r>
             <a:r>
               <a:rPr lang="ja-JP" altLang="en-US" smtClean="0"/>
@@ -15420,7 +15375,6 @@
               <a:rPr lang="en-US" altLang="ja-JP" smtClean="0"/>
               <a:t>OK)</a:t>
             </a:r>
-            <a:endParaRPr lang="en-US" altLang="ja-JP" smtClean="0"/>
           </a:p>
           <a:p>
             <a:pPr lvl="1"/>
@@ -18522,11 +18476,7 @@
             <a:pPr lvl="3"/>
             <a:r>
               <a:rPr lang="en-US" altLang="ja-JP" smtClean="0"/>
-              <a:t>tempfs </a:t>
-            </a:r>
-            <a:r>
-              <a:rPr lang="en-US" altLang="ja-JP" smtClean="0"/>
-              <a:t>mounts</a:t>
+              <a:t>tempfs mounts</a:t>
             </a:r>
           </a:p>
         </p:txBody>
@@ -18615,7 +18565,6 @@
               <a:rPr lang="en-US" altLang="ja-JP" smtClean="0"/>
               <a:t>Volumes</a:t>
             </a:r>
-            <a:endParaRPr lang="en-US" altLang="ja-JP" smtClean="0"/>
           </a:p>
           <a:p>
             <a:pPr lvl="1"/>
@@ -18676,13 +18625,8 @@
           <a:p>
             <a:r>
               <a:rPr lang="en-US" altLang="ja-JP" smtClean="0"/>
-              <a:t>Bind </a:t>
-            </a:r>
-            <a:r>
-              <a:rPr lang="en-US" altLang="ja-JP" smtClean="0"/>
-              <a:t>mounts</a:t>
-            </a:r>
-            <a:endParaRPr lang="en-US" altLang="ja-JP" smtClean="0"/>
+              <a:t>Bind mounts</a:t>
+            </a:r>
           </a:p>
           <a:p>
             <a:pPr lvl="1"/>
@@ -21076,15 +21020,7 @@
                   <a:schemeClr val="bg1"/>
                 </a:solidFill>
               </a:rPr>
-              <a:t>自動で</a:t>
-            </a:r>
-            <a:r>
-              <a:rPr lang="ja-JP" altLang="en-US" sz="1600" smtClean="0">
-                <a:solidFill>
-                  <a:schemeClr val="bg1"/>
-                </a:solidFill>
-              </a:rPr>
-              <a:t>作る</a:t>
+              <a:t>自動で作る</a:t>
             </a:r>
             <a:endParaRPr lang="en-US" altLang="ja-JP" sz="1600" smtClean="0">
               <a:solidFill>
@@ -21571,27 +21507,15 @@
             </a:r>
             <a:r>
               <a:rPr kumimoji="1" lang="ja-JP" altLang="en-US" smtClean="0"/>
-              <a:t>種類</a:t>
-            </a:r>
+              <a:t>種類存在</a:t>
+            </a:r>
+            <a:endParaRPr kumimoji="1" lang="en-US" altLang="ja-JP" smtClean="0"/>
+          </a:p>
+          <a:p>
+            <a:pPr lvl="2"/>
             <a:r>
               <a:rPr kumimoji="1" lang="ja-JP" altLang="en-US" smtClean="0"/>
-              <a:t>存在</a:t>
-            </a:r>
-            <a:endParaRPr kumimoji="1" lang="en-US" altLang="ja-JP" smtClean="0"/>
-          </a:p>
-          <a:p>
-            <a:pPr lvl="1"/>
-            <a:r>
-              <a:rPr kumimoji="1" lang="ja-JP" altLang="en-US" smtClean="0"/>
-              <a:t>今日</a:t>
-            </a:r>
-            <a:r>
-              <a:rPr kumimoji="1" lang="ja-JP" altLang="en-US" smtClean="0"/>
-              <a:t>説明するのは以下</a:t>
-            </a:r>
-            <a:r>
-              <a:rPr kumimoji="1" lang="ja-JP" altLang="en-US" smtClean="0"/>
-              <a:t>の</a:t>
+              <a:t>今日説明するのは以下の</a:t>
             </a:r>
             <a:r>
               <a:rPr kumimoji="1" lang="en-US" altLang="ja-JP" smtClean="0"/>
@@ -21604,14 +21528,14 @@
             <a:endParaRPr kumimoji="1" lang="en-US" altLang="ja-JP" smtClean="0"/>
           </a:p>
           <a:p>
-            <a:pPr lvl="2"/>
+            <a:pPr lvl="3"/>
             <a:r>
               <a:rPr lang="en-US" altLang="ja-JP" smtClean="0"/>
               <a:t>bridge</a:t>
             </a:r>
           </a:p>
           <a:p>
-            <a:pPr lvl="3"/>
+            <a:pPr lvl="4"/>
             <a:r>
               <a:rPr lang="ja-JP" altLang="en-US" smtClean="0"/>
               <a:t>デフォルト</a:t>
@@ -21619,26 +21543,22 @@
             <a:endParaRPr lang="en-US" altLang="ja-JP" smtClean="0"/>
           </a:p>
           <a:p>
+            <a:pPr lvl="4"/>
+            <a:r>
+              <a:rPr lang="ja-JP" altLang="en-US" smtClean="0"/>
+              <a:t>ユーザ定義</a:t>
+            </a:r>
+            <a:endParaRPr lang="en-US" altLang="ja-JP" smtClean="0"/>
+          </a:p>
+          <a:p>
             <a:pPr lvl="3"/>
-            <a:r>
-              <a:rPr lang="ja-JP" altLang="en-US" smtClean="0"/>
-              <a:t>ユーザ</a:t>
-            </a:r>
-            <a:r>
-              <a:rPr lang="ja-JP" altLang="en-US" smtClean="0"/>
-              <a:t>定義</a:t>
-            </a:r>
-            <a:endParaRPr lang="en-US" altLang="ja-JP" smtClean="0"/>
-          </a:p>
-          <a:p>
-            <a:pPr lvl="2"/>
             <a:r>
               <a:rPr kumimoji="1" lang="en-US" altLang="ja-JP" smtClean="0"/>
               <a:t>host</a:t>
             </a:r>
           </a:p>
           <a:p>
-            <a:pPr lvl="1"/>
+            <a:pPr lvl="2"/>
             <a:r>
               <a:rPr lang="ja-JP" altLang="en-US" smtClean="0"/>
               <a:t>その</a:t>
@@ -21654,14 +21574,14 @@
             <a:endParaRPr lang="en-US" altLang="ja-JP" smtClean="0"/>
           </a:p>
           <a:p>
-            <a:pPr lvl="2"/>
+            <a:pPr lvl="3"/>
             <a:r>
               <a:rPr lang="en-US" altLang="ja-JP" smtClean="0"/>
               <a:t>container</a:t>
             </a:r>
           </a:p>
           <a:p>
-            <a:pPr lvl="3"/>
+            <a:pPr lvl="4"/>
             <a:r>
               <a:rPr lang="ja-JP" altLang="en-US" smtClean="0"/>
               <a:t>他のコンテナのネットワークスタックを利用</a:t>
@@ -21669,14 +21589,14 @@
             <a:endParaRPr lang="en-US" altLang="ja-JP" smtClean="0"/>
           </a:p>
           <a:p>
-            <a:pPr lvl="2"/>
+            <a:pPr lvl="3"/>
             <a:r>
               <a:rPr kumimoji="1" lang="en-US" altLang="ja-JP" smtClean="0"/>
               <a:t>none</a:t>
             </a:r>
           </a:p>
           <a:p>
-            <a:pPr lvl="3"/>
+            <a:pPr lvl="4"/>
             <a:r>
               <a:rPr kumimoji="1" lang="ja-JP" altLang="en-US" smtClean="0"/>
               <a:t>ネットワークに接続しない</a:t>
@@ -22684,17 +22604,7 @@
                 <a:latin typeface="Meiryo UI" panose="020B0604030504040204" pitchFamily="50" charset="-128"/>
                 <a:ea typeface="Meiryo UI" panose="020B0604030504040204" pitchFamily="50" charset="-128"/>
               </a:rPr>
-              <a:t>docker</a:t>
-            </a:r>
-            <a:r>
-              <a:rPr lang="en-US" altLang="ja-JP" sz="1400" smtClean="0">
-                <a:solidFill>
-                  <a:schemeClr val="bg1"/>
-                </a:solidFill>
-                <a:latin typeface="Meiryo UI" panose="020B0604030504040204" pitchFamily="50" charset="-128"/>
-                <a:ea typeface="Meiryo UI" panose="020B0604030504040204" pitchFamily="50" charset="-128"/>
-              </a:rPr>
-              <a:t>0: 172.17.0.1</a:t>
+              <a:t>docker0: 172.17.0.1</a:t>
             </a:r>
             <a:endParaRPr kumimoji="1" lang="ja-JP" altLang="en-US" sz="1400" smtClean="0">
               <a:solidFill>
@@ -22764,17 +22674,7 @@
                 <a:latin typeface="Meiryo UI" panose="020B0604030504040204" pitchFamily="50" charset="-128"/>
                 <a:ea typeface="Meiryo UI" panose="020B0604030504040204" pitchFamily="50" charset="-128"/>
               </a:rPr>
-              <a:t>my_bridge</a:t>
-            </a:r>
-            <a:r>
-              <a:rPr lang="en-US" altLang="ja-JP" sz="1400" smtClean="0">
-                <a:solidFill>
-                  <a:schemeClr val="bg1"/>
-                </a:solidFill>
-                <a:latin typeface="Meiryo UI" panose="020B0604030504040204" pitchFamily="50" charset="-128"/>
-                <a:ea typeface="Meiryo UI" panose="020B0604030504040204" pitchFamily="50" charset="-128"/>
-              </a:rPr>
-              <a:t>0: 172.17.1.1</a:t>
+              <a:t>my_bridge0: 172.17.1.1</a:t>
             </a:r>
             <a:endParaRPr kumimoji="1" lang="ja-JP" altLang="en-US" sz="1400" smtClean="0">
               <a:solidFill>
@@ -23348,15 +23248,7 @@
                   <a:schemeClr val="bg1"/>
                 </a:solidFill>
               </a:rPr>
-              <a:t>←</a:t>
-            </a:r>
-            <a:r>
-              <a:rPr lang="ja-JP" altLang="en-US" sz="1600" smtClean="0">
-                <a:solidFill>
-                  <a:schemeClr val="bg1"/>
-                </a:solidFill>
-              </a:rPr>
-              <a:t>デフォルト</a:t>
+              <a:t>←デフォルト</a:t>
             </a:r>
             <a:r>
               <a:rPr lang="en-US" altLang="ja-JP" sz="1600" smtClean="0">
@@ -23366,11 +23258,6 @@
               </a:rPr>
               <a:t>bridge</a:t>
             </a:r>
-            <a:endParaRPr lang="en-US" altLang="ja-JP" sz="1600" smtClean="0">
-              <a:solidFill>
-                <a:schemeClr val="bg1"/>
-              </a:solidFill>
-            </a:endParaRPr>
           </a:p>
         </p:txBody>
       </p:sp>
@@ -23577,23 +23464,7 @@
             </a:r>
             <a:r>
               <a:rPr kumimoji="1" lang="ja-JP" altLang="en-US" smtClean="0"/>
-              <a:t>ではコンテナ名</a:t>
-            </a:r>
-            <a:r>
-              <a:rPr kumimoji="1" lang="en-US" altLang="ja-JP" smtClean="0"/>
-              <a:t>(</a:t>
-            </a:r>
-            <a:r>
-              <a:rPr kumimoji="1" lang="ja-JP" altLang="en-US" smtClean="0"/>
-              <a:t>緑文字</a:t>
-            </a:r>
-            <a:r>
-              <a:rPr kumimoji="1" lang="en-US" altLang="ja-JP" smtClean="0"/>
-              <a:t>)</a:t>
-            </a:r>
-            <a:r>
-              <a:rPr kumimoji="1" lang="ja-JP" altLang="en-US" smtClean="0"/>
-              <a:t>がホスト名となる</a:t>
+              <a:t>ではコンテナ名がホスト名となる</a:t>
             </a:r>
             <a:endParaRPr kumimoji="1" lang="en-US" altLang="ja-JP" smtClean="0"/>
           </a:p>
@@ -23602,11 +23473,16 @@
             <a:endParaRPr lang="en-US" altLang="ja-JP"/>
           </a:p>
           <a:p>
-            <a:pPr lvl="2"/>
-            <a:endParaRPr kumimoji="1" lang="en-US" altLang="ja-JP" smtClean="0"/>
-          </a:p>
-          <a:p>
-            <a:pPr lvl="2"/>
+            <a:pPr marL="914400" lvl="2" indent="0">
+              <a:buNone/>
+            </a:pPr>
+            <a:r>
+              <a:rPr lang="en-US" altLang="ja-JP"/>
+              <a:t/>
+            </a:r>
+            <a:br>
+              <a:rPr lang="en-US" altLang="ja-JP"/>
+            </a:br>
             <a:endParaRPr lang="en-US" altLang="ja-JP"/>
           </a:p>
           <a:p>
@@ -23619,14 +23495,6 @@
           </a:p>
           <a:p>
             <a:pPr lvl="2"/>
-            <a:r>
-              <a:rPr lang="en-US" altLang="ja-JP" smtClean="0"/>
-              <a:t>docker (create|run)</a:t>
-            </a:r>
-            <a:r>
-              <a:rPr lang="ja-JP" altLang="en-US" smtClean="0"/>
-              <a:t>で</a:t>
-            </a:r>
             <a:r>
               <a:rPr lang="en-US" altLang="ja-JP" smtClean="0"/>
               <a:t>-p</a:t>
@@ -23675,8 +23543,8 @@
         </p:nvSpPr>
         <p:spPr>
           <a:xfrm>
-            <a:off x="261257" y="1918089"/>
-            <a:ext cx="8686799" cy="510798"/>
+            <a:off x="656111" y="1833419"/>
+            <a:ext cx="7897090" cy="510798"/>
           </a:xfrm>
           <a:prstGeom prst="rect">
             <a:avLst/>
@@ -23716,17 +23584,7 @@
                 <a:latin typeface="Meiryo UI" panose="020B0604030504040204" pitchFamily="50" charset="-128"/>
                 <a:ea typeface="Meiryo UI" panose="020B0604030504040204" pitchFamily="50" charset="-128"/>
               </a:rPr>
-              <a:t>@home&gt; sudo </a:t>
-            </a:r>
-            <a:r>
-              <a:rPr kumimoji="1" lang="en-US" altLang="ja-JP" smtClean="0">
-                <a:solidFill>
-                  <a:schemeClr val="tx1"/>
-                </a:solidFill>
-                <a:latin typeface="Meiryo UI" panose="020B0604030504040204" pitchFamily="50" charset="-128"/>
-                <a:ea typeface="Meiryo UI" panose="020B0604030504040204" pitchFamily="50" charset="-128"/>
-              </a:rPr>
-              <a:t>docker network </a:t>
+              <a:t>@home&gt; sudo docker network </a:t>
             </a:r>
             <a:r>
               <a:rPr kumimoji="1" lang="en-US" altLang="ja-JP" smtClean="0">
@@ -23762,8 +23620,8 @@
         </p:nvSpPr>
         <p:spPr>
           <a:xfrm>
-            <a:off x="261257" y="3870000"/>
-            <a:ext cx="8686799" cy="733075"/>
+            <a:off x="656111" y="3827665"/>
+            <a:ext cx="7897090" cy="733075"/>
           </a:xfrm>
           <a:prstGeom prst="rect">
             <a:avLst/>
@@ -23803,17 +23661,7 @@
                 <a:latin typeface="Meiryo UI" panose="020B0604030504040204" pitchFamily="50" charset="-128"/>
                 <a:ea typeface="Meiryo UI" panose="020B0604030504040204" pitchFamily="50" charset="-128"/>
               </a:rPr>
-              <a:t>@home&gt; sudo </a:t>
-            </a:r>
-            <a:r>
-              <a:rPr kumimoji="1" lang="en-US" altLang="ja-JP" smtClean="0">
-                <a:solidFill>
-                  <a:schemeClr val="tx1"/>
-                </a:solidFill>
-                <a:latin typeface="Meiryo UI" panose="020B0604030504040204" pitchFamily="50" charset="-128"/>
-                <a:ea typeface="Meiryo UI" panose="020B0604030504040204" pitchFamily="50" charset="-128"/>
-              </a:rPr>
-              <a:t>docker run –t –d </a:t>
+              <a:t>@home&gt; sudo docker run –t –d </a:t>
             </a:r>
             <a:r>
               <a:rPr kumimoji="1" lang="en-US" altLang="ja-JP" smtClean="0">
@@ -23831,16 +23679,6 @@
             <a:r>
               <a:rPr kumimoji="1" lang="en-US" altLang="ja-JP" smtClean="0">
                 <a:solidFill>
-                  <a:schemeClr val="accent6"/>
-                </a:solidFill>
-                <a:latin typeface="Meiryo UI" panose="020B0604030504040204" pitchFamily="50" charset="-128"/>
-                <a:ea typeface="Meiryo UI" panose="020B0604030504040204" pitchFamily="50" charset="-128"/>
-              </a:rPr>
-              <a:t>–-name ca </a:t>
-            </a:r>
-            <a:r>
-              <a:rPr kumimoji="1" lang="en-US" altLang="ja-JP" smtClean="0">
-                <a:solidFill>
                   <a:schemeClr val="tx1"/>
                 </a:solidFill>
                 <a:latin typeface="Meiryo UI" panose="020B0604030504040204" pitchFamily="50" charset="-128"/>
@@ -23874,54 +23712,14 @@
               <a:t>–-net my_bridge </a:t>
             </a:r>
             <a:r>
-              <a:rPr lang="en-US" altLang="ja-JP">
-                <a:solidFill>
-                  <a:schemeClr val="accent6"/>
-                </a:solidFill>
-                <a:latin typeface="Meiryo UI" panose="020B0604030504040204" pitchFamily="50" charset="-128"/>
-                <a:ea typeface="Meiryo UI" panose="020B0604030504040204" pitchFamily="50" charset="-128"/>
-              </a:rPr>
-              <a:t>–-</a:t>
-            </a:r>
-            <a:r>
-              <a:rPr lang="en-US" altLang="ja-JP">
-                <a:solidFill>
-                  <a:schemeClr val="accent6"/>
-                </a:solidFill>
-                <a:latin typeface="Meiryo UI" panose="020B0604030504040204" pitchFamily="50" charset="-128"/>
-                <a:ea typeface="Meiryo UI" panose="020B0604030504040204" pitchFamily="50" charset="-128"/>
-              </a:rPr>
-              <a:t>name </a:t>
-            </a:r>
-            <a:r>
               <a:rPr lang="en-US" altLang="ja-JP" smtClean="0">
                 <a:solidFill>
-                  <a:schemeClr val="accent6"/>
-                </a:solidFill>
-                <a:latin typeface="Meiryo UI" panose="020B0604030504040204" pitchFamily="50" charset="-128"/>
-                <a:ea typeface="Meiryo UI" panose="020B0604030504040204" pitchFamily="50" charset="-128"/>
-              </a:rPr>
-              <a:t>cb </a:t>
-            </a:r>
-            <a:r>
-              <a:rPr lang="en-US" altLang="ja-JP">
-                <a:solidFill>
                   <a:schemeClr val="tx1"/>
                 </a:solidFill>
                 <a:latin typeface="Meiryo UI" panose="020B0604030504040204" pitchFamily="50" charset="-128"/>
                 <a:ea typeface="Meiryo UI" panose="020B0604030504040204" pitchFamily="50" charset="-128"/>
               </a:rPr>
-              <a:t>centos </a:t>
-            </a:r>
-            <a:r>
-              <a:rPr lang="en-US" altLang="ja-JP" smtClean="0">
-                <a:solidFill>
-                  <a:schemeClr val="tx1"/>
-                </a:solidFill>
-                <a:latin typeface="Meiryo UI" panose="020B0604030504040204" pitchFamily="50" charset="-128"/>
-                <a:ea typeface="Meiryo UI" panose="020B0604030504040204" pitchFamily="50" charset="-128"/>
-              </a:rPr>
-              <a:t>bash</a:t>
+              <a:t>centos bash</a:t>
             </a:r>
             <a:endParaRPr lang="en-US" altLang="ja-JP">
               <a:solidFill>
@@ -23941,8 +23739,8 @@
         </p:nvSpPr>
         <p:spPr>
           <a:xfrm>
-            <a:off x="261256" y="6232122"/>
-            <a:ext cx="8686799" cy="455182"/>
+            <a:off x="656110" y="6105121"/>
+            <a:ext cx="7897090" cy="455182"/>
           </a:xfrm>
           <a:prstGeom prst="rect">
             <a:avLst/>
@@ -23982,17 +23780,7 @@
                 <a:latin typeface="Meiryo UI" panose="020B0604030504040204" pitchFamily="50" charset="-128"/>
                 <a:ea typeface="Meiryo UI" panose="020B0604030504040204" pitchFamily="50" charset="-128"/>
               </a:rPr>
-              <a:t>@home&gt; sudo </a:t>
-            </a:r>
-            <a:r>
-              <a:rPr kumimoji="1" lang="en-US" altLang="ja-JP" smtClean="0">
-                <a:solidFill>
-                  <a:schemeClr val="tx1"/>
-                </a:solidFill>
-                <a:latin typeface="Meiryo UI" panose="020B0604030504040204" pitchFamily="50" charset="-128"/>
-                <a:ea typeface="Meiryo UI" panose="020B0604030504040204" pitchFamily="50" charset="-128"/>
-              </a:rPr>
-              <a:t>docker run –t –d </a:t>
+              <a:t>@home&gt; sudo docker run –t –d </a:t>
             </a:r>
             <a:r>
               <a:rPr kumimoji="1" lang="en-US" altLang="ja-JP" smtClean="0">
@@ -24068,7 +23856,7 @@
         </p:nvSpPr>
         <p:spPr>
           <a:xfrm>
-            <a:off x="1959196" y="3035534"/>
+            <a:off x="1959196" y="3264134"/>
             <a:ext cx="2063214" cy="766553"/>
           </a:xfrm>
           <a:prstGeom prst="rect">
@@ -24143,7 +23931,7 @@
         </p:nvSpPr>
         <p:spPr>
           <a:xfrm>
-            <a:off x="5147154" y="3035534"/>
+            <a:off x="5147154" y="3264134"/>
             <a:ext cx="2063214" cy="766553"/>
           </a:xfrm>
           <a:prstGeom prst="rect">
@@ -24218,7 +24006,7 @@
         </p:nvSpPr>
         <p:spPr>
           <a:xfrm>
-            <a:off x="1892411" y="4000499"/>
+            <a:off x="1892411" y="4229099"/>
             <a:ext cx="5353265" cy="874061"/>
           </a:xfrm>
           <a:prstGeom prst="rect">
@@ -24406,6 +24194,10 @@
           </a:p>
           <a:p>
             <a:pPr lvl="3"/>
+            <a:endParaRPr lang="en-US" altLang="ja-JP" smtClean="0"/>
+          </a:p>
+          <a:p>
+            <a:pPr lvl="3"/>
             <a:endParaRPr lang="en-US" altLang="ja-JP"/>
           </a:p>
           <a:p>
@@ -24430,7 +24222,7 @@
         </p:nvSpPr>
         <p:spPr>
           <a:xfrm>
-            <a:off x="2151916" y="3368357"/>
+            <a:off x="2151916" y="3596957"/>
             <a:ext cx="1677774" cy="433730"/>
           </a:xfrm>
           <a:prstGeom prst="rect">
@@ -24500,7 +24292,7 @@
         </p:nvSpPr>
         <p:spPr>
           <a:xfrm>
-            <a:off x="5339874" y="3368357"/>
+            <a:off x="5339874" y="3596957"/>
             <a:ext cx="1677774" cy="433730"/>
           </a:xfrm>
           <a:prstGeom prst="rect">
@@ -24570,7 +24362,7 @@
         </p:nvSpPr>
         <p:spPr>
           <a:xfrm>
-            <a:off x="3730157" y="4415556"/>
+            <a:off x="3730157" y="4644156"/>
             <a:ext cx="1677774" cy="433730"/>
           </a:xfrm>
           <a:prstGeom prst="rect">
@@ -24643,7 +24435,7 @@
         </p:nvCxnSpPr>
         <p:spPr>
           <a:xfrm rot="16200000" flipH="1">
-            <a:off x="3473189" y="3319700"/>
+            <a:off x="3473189" y="3548300"/>
             <a:ext cx="613469" cy="1578241"/>
           </a:xfrm>
           <a:prstGeom prst="bentConnector3">
@@ -24681,7 +24473,7 @@
         </p:nvCxnSpPr>
         <p:spPr>
           <a:xfrm rot="5400000">
-            <a:off x="5067169" y="3303963"/>
+            <a:off x="5067169" y="3532563"/>
             <a:ext cx="613469" cy="1609717"/>
           </a:xfrm>
           <a:prstGeom prst="bentConnector3">
@@ -24718,7 +24510,7 @@
         </p:nvSpPr>
         <p:spPr>
           <a:xfrm>
-            <a:off x="261257" y="5367226"/>
+            <a:off x="261257" y="5776801"/>
             <a:ext cx="8686799" cy="455182"/>
           </a:xfrm>
           <a:prstGeom prst="rect">
@@ -24759,17 +24551,7 @@
                 <a:latin typeface="Meiryo UI" panose="020B0604030504040204" pitchFamily="50" charset="-128"/>
                 <a:ea typeface="Meiryo UI" panose="020B0604030504040204" pitchFamily="50" charset="-128"/>
               </a:rPr>
-              <a:t>@home&gt; sudo </a:t>
-            </a:r>
-            <a:r>
-              <a:rPr kumimoji="1" lang="en-US" altLang="ja-JP" smtClean="0">
-                <a:solidFill>
-                  <a:schemeClr val="tx1"/>
-                </a:solidFill>
-                <a:latin typeface="Meiryo UI" panose="020B0604030504040204" pitchFamily="50" charset="-128"/>
-                <a:ea typeface="Meiryo UI" panose="020B0604030504040204" pitchFamily="50" charset="-128"/>
-              </a:rPr>
-              <a:t>docker run –t –d </a:t>
+              <a:t>@home&gt; sudo docker run –t –d </a:t>
             </a:r>
             <a:r>
               <a:rPr kumimoji="1" lang="en-US" altLang="ja-JP" smtClean="0">
@@ -25991,1310 +25773,6 @@
     <p:extLst>
       <p:ext uri="{BB962C8B-B14F-4D97-AF65-F5344CB8AC3E}">
         <p14:creationId xmlns:p14="http://schemas.microsoft.com/office/powerpoint/2010/main" val="3702564650"/>
-      </p:ext>
-    </p:extLst>
-  </p:cSld>
-  <p:clrMapOvr>
-    <a:masterClrMapping/>
-  </p:clrMapOvr>
-  <p:timing>
-    <p:tnLst>
-      <p:par>
-        <p:cTn id="1" dur="indefinite" restart="never" nodeType="tmRoot"/>
-      </p:par>
-    </p:tnLst>
-  </p:timing>
-</p:sld>
-</file>
-
-<file path=ppt/slides/slide34.xml><?xml version="1.0" encoding="utf-8"?>
-<p:sld xmlns:a="http://schemas.openxmlformats.org/drawingml/2006/main" xmlns:r="http://schemas.openxmlformats.org/officeDocument/2006/relationships" xmlns:p="http://schemas.openxmlformats.org/presentationml/2006/main">
-  <p:cSld>
-    <p:spTree>
-      <p:nvGrpSpPr>
-        <p:cNvPr id="1" name=""/>
-        <p:cNvGrpSpPr/>
-        <p:nvPr/>
-      </p:nvGrpSpPr>
-      <p:grpSpPr>
-        <a:xfrm>
-          <a:off x="0" y="0"/>
-          <a:ext cx="0" cy="0"/>
-          <a:chOff x="0" y="0"/>
-          <a:chExt cx="0" cy="0"/>
-        </a:xfrm>
-      </p:grpSpPr>
-      <p:sp>
-        <p:nvSpPr>
-          <p:cNvPr id="2" name="タイトル 1"/>
-          <p:cNvSpPr>
-            <a:spLocks noGrp="1"/>
-          </p:cNvSpPr>
-          <p:nvPr>
-            <p:ph type="title"/>
-          </p:nvPr>
-        </p:nvSpPr>
-        <p:spPr/>
-        <p:txBody>
-          <a:bodyPr/>
-          <a:lstStyle/>
-          <a:p>
-            <a:r>
-              <a:rPr kumimoji="1" lang="ja-JP" altLang="en-US" smtClean="0"/>
-              <a:t>使ってみる～ハンズオン～</a:t>
-            </a:r>
-            <a:endParaRPr kumimoji="1" lang="ja-JP" altLang="en-US"/>
-          </a:p>
-        </p:txBody>
-      </p:sp>
-      <p:sp>
-        <p:nvSpPr>
-          <p:cNvPr id="3" name="コンテンツ プレースホルダー 2"/>
-          <p:cNvSpPr>
-            <a:spLocks noGrp="1"/>
-          </p:cNvSpPr>
-          <p:nvPr>
-            <p:ph idx="1"/>
-          </p:nvPr>
-        </p:nvSpPr>
-        <p:spPr>
-          <a:xfrm>
-            <a:off x="261257" y="971550"/>
-            <a:ext cx="8686799" cy="3253317"/>
-          </a:xfrm>
-        </p:spPr>
-        <p:txBody>
-          <a:bodyPr>
-            <a:normAutofit/>
-          </a:bodyPr>
-          <a:lstStyle/>
-          <a:p>
-            <a:r>
-              <a:rPr lang="ja-JP" altLang="en-US" smtClean="0"/>
-              <a:t>お題</a:t>
-            </a:r>
-            <a:endParaRPr lang="en-US" altLang="ja-JP" smtClean="0"/>
-          </a:p>
-          <a:p>
-            <a:pPr lvl="1"/>
-            <a:endParaRPr lang="en-US" altLang="ja-JP" smtClean="0"/>
-          </a:p>
-          <a:p>
-            <a:r>
-              <a:rPr lang="ja-JP" altLang="en-US" smtClean="0"/>
-              <a:t>ハンズオンは</a:t>
-            </a:r>
-            <a:r>
-              <a:rPr lang="en-US" altLang="ja-JP" smtClean="0"/>
-              <a:t>2</a:t>
-            </a:r>
-            <a:r>
-              <a:rPr lang="ja-JP" altLang="en-US" smtClean="0"/>
-              <a:t>チームに分かれて実施します</a:t>
-            </a:r>
-            <a:endParaRPr lang="en-US" altLang="ja-JP" smtClean="0"/>
-          </a:p>
-          <a:p>
-            <a:pPr lvl="1"/>
-            <a:endParaRPr kumimoji="1" lang="ja-JP" altLang="en-US"/>
-          </a:p>
-        </p:txBody>
-      </p:sp>
-    </p:spTree>
-    <p:extLst>
-      <p:ext uri="{BB962C8B-B14F-4D97-AF65-F5344CB8AC3E}">
-        <p14:creationId xmlns:p14="http://schemas.microsoft.com/office/powerpoint/2010/main" val="74318808"/>
-      </p:ext>
-    </p:extLst>
-  </p:cSld>
-  <p:clrMapOvr>
-    <a:masterClrMapping/>
-  </p:clrMapOvr>
-  <p:timing>
-    <p:tnLst>
-      <p:par>
-        <p:cTn id="1" dur="indefinite" restart="never" nodeType="tmRoot"/>
-      </p:par>
-    </p:tnLst>
-  </p:timing>
-</p:sld>
-</file>
-
-<file path=ppt/slides/slide35.xml><?xml version="1.0" encoding="utf-8"?>
-<p:sld xmlns:a="http://schemas.openxmlformats.org/drawingml/2006/main" xmlns:r="http://schemas.openxmlformats.org/officeDocument/2006/relationships" xmlns:p="http://schemas.openxmlformats.org/presentationml/2006/main">
-  <p:cSld>
-    <p:spTree>
-      <p:nvGrpSpPr>
-        <p:cNvPr id="1" name=""/>
-        <p:cNvGrpSpPr/>
-        <p:nvPr/>
-      </p:nvGrpSpPr>
-      <p:grpSpPr>
-        <a:xfrm>
-          <a:off x="0" y="0"/>
-          <a:ext cx="0" cy="0"/>
-          <a:chOff x="0" y="0"/>
-          <a:chExt cx="0" cy="0"/>
-        </a:xfrm>
-      </p:grpSpPr>
-      <p:sp>
-        <p:nvSpPr>
-          <p:cNvPr id="2" name="タイトル 1"/>
-          <p:cNvSpPr>
-            <a:spLocks noGrp="1"/>
-          </p:cNvSpPr>
-          <p:nvPr>
-            <p:ph type="title"/>
-          </p:nvPr>
-        </p:nvSpPr>
-        <p:spPr/>
-        <p:txBody>
-          <a:bodyPr/>
-          <a:lstStyle/>
-          <a:p>
-            <a:r>
-              <a:rPr kumimoji="1" lang="ja-JP" altLang="en-US" smtClean="0"/>
-              <a:t>使ってみる～ハンズオン～</a:t>
-            </a:r>
-            <a:endParaRPr kumimoji="1" lang="ja-JP" altLang="en-US"/>
-          </a:p>
-        </p:txBody>
-      </p:sp>
-      <p:sp>
-        <p:nvSpPr>
-          <p:cNvPr id="3" name="コンテンツ プレースホルダー 2"/>
-          <p:cNvSpPr>
-            <a:spLocks noGrp="1"/>
-          </p:cNvSpPr>
-          <p:nvPr>
-            <p:ph idx="1"/>
-          </p:nvPr>
-        </p:nvSpPr>
-        <p:spPr>
-          <a:xfrm>
-            <a:off x="261257" y="971549"/>
-            <a:ext cx="8686799" cy="1356783"/>
-          </a:xfrm>
-        </p:spPr>
-        <p:txBody>
-          <a:bodyPr>
-            <a:normAutofit/>
-          </a:bodyPr>
-          <a:lstStyle/>
-          <a:p>
-            <a:r>
-              <a:rPr kumimoji="1" lang="ja-JP" altLang="en-US" smtClean="0"/>
-              <a:t>チートシート</a:t>
-            </a:r>
-            <a:endParaRPr kumimoji="1" lang="en-US" altLang="ja-JP" smtClean="0"/>
-          </a:p>
-          <a:p>
-            <a:pPr lvl="1"/>
-            <a:r>
-              <a:rPr lang="ja-JP" altLang="en-US" smtClean="0"/>
-              <a:t>各コマンドの</a:t>
-            </a:r>
-            <a:r>
-              <a:rPr lang="ja-JP" altLang="en-US"/>
-              <a:t>リファレンス</a:t>
-            </a:r>
-            <a:r>
-              <a:rPr lang="ja-JP" altLang="en-US" smtClean="0"/>
-              <a:t>は公式を確認</a:t>
-            </a:r>
-            <a:endParaRPr lang="en-US" altLang="ja-JP" smtClean="0"/>
-          </a:p>
-          <a:p>
-            <a:pPr lvl="2"/>
-            <a:r>
-              <a:rPr lang="en-US" altLang="ja-JP" sz="2200"/>
-              <a:t>https://docs.docker.jp/engine/reference/index.html</a:t>
-            </a:r>
-            <a:endParaRPr kumimoji="1" lang="ja-JP" altLang="en-US" sz="2200"/>
-          </a:p>
-        </p:txBody>
-      </p:sp>
-      <p:graphicFrame>
-        <p:nvGraphicFramePr>
-          <p:cNvPr id="4" name="表 3"/>
-          <p:cNvGraphicFramePr>
-            <a:graphicFrameLocks noGrp="1"/>
-          </p:cNvGraphicFramePr>
-          <p:nvPr>
-            <p:extLst>
-              <p:ext uri="{D42A27DB-BD31-4B8C-83A1-F6EECF244321}">
-                <p14:modId xmlns:p14="http://schemas.microsoft.com/office/powerpoint/2010/main" val="943031660"/>
-              </p:ext>
-            </p:extLst>
-          </p:nvPr>
-        </p:nvGraphicFramePr>
-        <p:xfrm>
-          <a:off x="557678" y="2452615"/>
-          <a:ext cx="8243634" cy="4114800"/>
-        </p:xfrm>
-        <a:graphic>
-          <a:graphicData uri="http://schemas.openxmlformats.org/drawingml/2006/table">
-            <a:tbl>
-              <a:tblPr firstRow="1" bandRow="1">
-                <a:tableStyleId>{5940675A-B579-460E-94D1-54222C63F5DA}</a:tableStyleId>
-              </a:tblPr>
-              <a:tblGrid>
-                <a:gridCol w="1005205"/>
-                <a:gridCol w="2351405"/>
-                <a:gridCol w="4887024"/>
-              </a:tblGrid>
-              <a:tr h="0">
-                <a:tc>
-                  <a:txBody>
-                    <a:bodyPr/>
-                    <a:lstStyle/>
-                    <a:p>
-                      <a:pPr algn="ctr"/>
-                      <a:r>
-                        <a:rPr kumimoji="1" lang="ja-JP" altLang="en-US" sz="1200" smtClean="0">
-                          <a:latin typeface="+mj-lt"/>
-                        </a:rPr>
-                        <a:t>大項目</a:t>
-                      </a:r>
-                      <a:endParaRPr kumimoji="1" lang="ja-JP" altLang="en-US" sz="1200">
-                        <a:latin typeface="+mj-lt"/>
-                      </a:endParaRPr>
-                    </a:p>
-                  </a:txBody>
-                  <a:tcPr>
-                    <a:solidFill>
-                      <a:schemeClr val="tx1">
-                        <a:lumMod val="50000"/>
-                      </a:schemeClr>
-                    </a:solidFill>
-                  </a:tcPr>
-                </a:tc>
-                <a:tc>
-                  <a:txBody>
-                    <a:bodyPr/>
-                    <a:lstStyle/>
-                    <a:p>
-                      <a:pPr algn="ctr"/>
-                      <a:r>
-                        <a:rPr kumimoji="1" lang="ja-JP" altLang="en-US" sz="1200" smtClean="0">
-                          <a:latin typeface="+mj-lt"/>
-                        </a:rPr>
-                        <a:t>項目</a:t>
-                      </a:r>
-                      <a:endParaRPr kumimoji="1" lang="ja-JP" altLang="en-US" sz="1200">
-                        <a:latin typeface="+mj-lt"/>
-                      </a:endParaRPr>
-                    </a:p>
-                  </a:txBody>
-                  <a:tcPr>
-                    <a:solidFill>
-                      <a:schemeClr val="tx1">
-                        <a:lumMod val="50000"/>
-                      </a:schemeClr>
-                    </a:solidFill>
-                  </a:tcPr>
-                </a:tc>
-                <a:tc>
-                  <a:txBody>
-                    <a:bodyPr/>
-                    <a:lstStyle/>
-                    <a:p>
-                      <a:pPr algn="ctr"/>
-                      <a:r>
-                        <a:rPr kumimoji="1" lang="ja-JP" altLang="en-US" sz="1200" smtClean="0">
-                          <a:latin typeface="+mj-lt"/>
-                        </a:rPr>
-                        <a:t>コマンド</a:t>
-                      </a:r>
-                      <a:endParaRPr kumimoji="1" lang="ja-JP" altLang="en-US" sz="1200">
-                        <a:latin typeface="+mj-lt"/>
-                      </a:endParaRPr>
-                    </a:p>
-                  </a:txBody>
-                  <a:tcPr>
-                    <a:solidFill>
-                      <a:schemeClr val="tx1">
-                        <a:lumMod val="50000"/>
-                      </a:schemeClr>
-                    </a:solidFill>
-                  </a:tcPr>
-                </a:tc>
-              </a:tr>
-              <a:tr h="0">
-                <a:tc rowSpan="4">
-                  <a:txBody>
-                    <a:bodyPr/>
-                    <a:lstStyle/>
-                    <a:p>
-                      <a:r>
-                        <a:rPr kumimoji="1" lang="ja-JP" altLang="en-US" sz="1200" smtClean="0">
-                          <a:latin typeface="+mj-lt"/>
-                        </a:rPr>
-                        <a:t>イメージ関連</a:t>
-                      </a:r>
-                      <a:endParaRPr kumimoji="1" lang="ja-JP" altLang="en-US" sz="1200">
-                        <a:latin typeface="+mj-lt"/>
-                      </a:endParaRPr>
-                    </a:p>
-                  </a:txBody>
-                  <a:tcPr/>
-                </a:tc>
-                <a:tc>
-                  <a:txBody>
-                    <a:bodyPr/>
-                    <a:lstStyle/>
-                    <a:p>
-                      <a:r>
-                        <a:rPr kumimoji="1" lang="ja-JP" altLang="en-US" sz="1200" smtClean="0">
-                          <a:latin typeface="+mj-lt"/>
-                        </a:rPr>
-                        <a:t>イメージのビルド</a:t>
-                      </a:r>
-                      <a:endParaRPr kumimoji="1" lang="ja-JP" altLang="en-US" sz="1200">
-                        <a:latin typeface="+mj-lt"/>
-                      </a:endParaRPr>
-                    </a:p>
-                  </a:txBody>
-                  <a:tcPr/>
-                </a:tc>
-                <a:tc>
-                  <a:txBody>
-                    <a:bodyPr/>
-                    <a:lstStyle/>
-                    <a:p>
-                      <a:pPr marL="0" marR="0" lvl="0" indent="0" algn="l" defTabSz="914400" rtl="0" eaLnBrk="1" fontAlgn="auto" latinLnBrk="0" hangingPunct="1">
-                        <a:lnSpc>
-                          <a:spcPct val="100000"/>
-                        </a:lnSpc>
-                        <a:spcBef>
-                          <a:spcPts val="0"/>
-                        </a:spcBef>
-                        <a:spcAft>
-                          <a:spcPts val="0"/>
-                        </a:spcAft>
-                        <a:buClrTx/>
-                        <a:buSzTx/>
-                        <a:buFontTx/>
-                        <a:buNone/>
-                        <a:tabLst/>
-                        <a:defRPr/>
-                      </a:pPr>
-                      <a:r>
-                        <a:rPr kumimoji="1" lang="en-US" altLang="ja-JP" sz="1200" smtClean="0">
-                          <a:latin typeface="+mj-lt"/>
-                        </a:rPr>
-                        <a:t>sudo docker build –t &lt;</a:t>
-                      </a:r>
-                      <a:r>
-                        <a:rPr kumimoji="1" lang="ja-JP" altLang="en-US" sz="1200" kern="1200" smtClean="0">
-                          <a:solidFill>
-                            <a:schemeClr val="tx1"/>
-                          </a:solidFill>
-                          <a:latin typeface="+mn-lt"/>
-                          <a:ea typeface="+mn-ea"/>
-                          <a:cs typeface="+mn-cs"/>
-                        </a:rPr>
-                        <a:t>イメージ名</a:t>
-                      </a:r>
-                      <a:r>
-                        <a:rPr kumimoji="1" lang="en-US" altLang="ja-JP" sz="1200" smtClean="0">
-                          <a:latin typeface="+mj-lt"/>
-                        </a:rPr>
-                        <a:t>&gt;:&lt;TAG&gt;</a:t>
-                      </a:r>
-                      <a:r>
-                        <a:rPr kumimoji="1" lang="en-US" altLang="ja-JP" sz="1200" baseline="0" smtClean="0">
-                          <a:latin typeface="+mj-lt"/>
-                        </a:rPr>
-                        <a:t> .</a:t>
-                      </a:r>
-                      <a:endParaRPr kumimoji="1" lang="ja-JP" altLang="en-US" sz="1200">
-                        <a:latin typeface="+mj-lt"/>
-                      </a:endParaRPr>
-                    </a:p>
-                  </a:txBody>
-                  <a:tcPr/>
-                </a:tc>
-              </a:tr>
-              <a:tr h="0">
-                <a:tc vMerge="1">
-                  <a:txBody>
-                    <a:bodyPr/>
-                    <a:lstStyle/>
-                    <a:p>
-                      <a:endParaRPr kumimoji="1" lang="ja-JP" altLang="en-US" sz="1200">
-                        <a:latin typeface="+mj-lt"/>
-                      </a:endParaRPr>
-                    </a:p>
-                  </a:txBody>
-                  <a:tcPr/>
-                </a:tc>
-                <a:tc>
-                  <a:txBody>
-                    <a:bodyPr/>
-                    <a:lstStyle/>
-                    <a:p>
-                      <a:r>
-                        <a:rPr kumimoji="1" lang="ja-JP" altLang="en-US" sz="1200" smtClean="0">
-                          <a:latin typeface="+mj-lt"/>
-                        </a:rPr>
-                        <a:t>イメージ一覧</a:t>
-                      </a:r>
-                      <a:endParaRPr kumimoji="1" lang="ja-JP" altLang="en-US" sz="1200">
-                        <a:latin typeface="+mj-lt"/>
-                      </a:endParaRPr>
-                    </a:p>
-                  </a:txBody>
-                  <a:tcPr/>
-                </a:tc>
-                <a:tc>
-                  <a:txBody>
-                    <a:bodyPr/>
-                    <a:lstStyle/>
-                    <a:p>
-                      <a:r>
-                        <a:rPr kumimoji="1" lang="en-US" altLang="ja-JP" sz="1200" smtClean="0">
-                          <a:latin typeface="+mj-lt"/>
-                        </a:rPr>
-                        <a:t>sudo docker images </a:t>
-                      </a:r>
-                    </a:p>
-                  </a:txBody>
-                  <a:tcPr/>
-                </a:tc>
-              </a:tr>
-              <a:tr h="0">
-                <a:tc vMerge="1">
-                  <a:txBody>
-                    <a:bodyPr/>
-                    <a:lstStyle/>
-                    <a:p>
-                      <a:endParaRPr kumimoji="1" lang="ja-JP" altLang="en-US" sz="1200">
-                        <a:latin typeface="+mj-lt"/>
-                      </a:endParaRPr>
-                    </a:p>
-                  </a:txBody>
-                  <a:tcPr/>
-                </a:tc>
-                <a:tc>
-                  <a:txBody>
-                    <a:bodyPr/>
-                    <a:lstStyle/>
-                    <a:p>
-                      <a:r>
-                        <a:rPr kumimoji="1" lang="ja-JP" altLang="en-US" sz="1200" smtClean="0">
-                          <a:latin typeface="+mj-lt"/>
-                        </a:rPr>
-                        <a:t>イメージ削除</a:t>
-                      </a:r>
-                      <a:endParaRPr kumimoji="1" lang="ja-JP" altLang="en-US" sz="1200">
-                        <a:latin typeface="+mj-lt"/>
-                      </a:endParaRPr>
-                    </a:p>
-                  </a:txBody>
-                  <a:tcPr/>
-                </a:tc>
-                <a:tc>
-                  <a:txBody>
-                    <a:bodyPr/>
-                    <a:lstStyle/>
-                    <a:p>
-                      <a:r>
-                        <a:rPr kumimoji="1" lang="en-US" altLang="ja-JP" sz="1200" smtClean="0">
-                          <a:latin typeface="+mj-lt"/>
-                        </a:rPr>
-                        <a:t>sudo docker rmi &lt;</a:t>
-                      </a:r>
-                      <a:r>
-                        <a:rPr kumimoji="1" lang="ja-JP" altLang="en-US" sz="1200" smtClean="0">
-                          <a:latin typeface="+mj-lt"/>
-                        </a:rPr>
-                        <a:t>イメージ名</a:t>
-                      </a:r>
-                      <a:r>
-                        <a:rPr kumimoji="1" lang="en-US" altLang="ja-JP" sz="1200" smtClean="0">
-                          <a:latin typeface="+mj-lt"/>
-                        </a:rPr>
-                        <a:t>&gt;</a:t>
-                      </a:r>
-                      <a:endParaRPr kumimoji="1" lang="ja-JP" altLang="en-US" sz="1200">
-                        <a:latin typeface="+mj-lt"/>
-                      </a:endParaRPr>
-                    </a:p>
-                  </a:txBody>
-                  <a:tcPr/>
-                </a:tc>
-              </a:tr>
-              <a:tr h="0">
-                <a:tc vMerge="1">
-                  <a:txBody>
-                    <a:bodyPr/>
-                    <a:lstStyle/>
-                    <a:p>
-                      <a:endParaRPr kumimoji="1" lang="ja-JP" altLang="en-US" sz="1200">
-                        <a:latin typeface="+mj-lt"/>
-                      </a:endParaRPr>
-                    </a:p>
-                  </a:txBody>
-                  <a:tcPr/>
-                </a:tc>
-                <a:tc>
-                  <a:txBody>
-                    <a:bodyPr/>
-                    <a:lstStyle/>
-                    <a:p>
-                      <a:r>
-                        <a:rPr kumimoji="1" lang="en-US" altLang="ja-JP" sz="1200" smtClean="0">
-                          <a:latin typeface="+mj-lt"/>
-                        </a:rPr>
-                        <a:t>&lt;none&gt;:&lt;none&gt;</a:t>
-                      </a:r>
-                      <a:r>
-                        <a:rPr kumimoji="1" lang="ja-JP" altLang="en-US" sz="1200" smtClean="0">
-                          <a:latin typeface="+mj-lt"/>
-                        </a:rPr>
-                        <a:t>イメージ削除</a:t>
-                      </a:r>
-                      <a:endParaRPr kumimoji="1" lang="ja-JP" altLang="en-US" sz="1200">
-                        <a:latin typeface="+mj-lt"/>
-                      </a:endParaRPr>
-                    </a:p>
-                  </a:txBody>
-                  <a:tcPr/>
-                </a:tc>
-                <a:tc>
-                  <a:txBody>
-                    <a:bodyPr/>
-                    <a:lstStyle/>
-                    <a:p>
-                      <a:r>
-                        <a:rPr kumimoji="1" lang="en-US" altLang="ja-JP" sz="1200" smtClean="0">
-                          <a:latin typeface="+mj-lt"/>
-                        </a:rPr>
-                        <a:t>sudo docker image prune</a:t>
-                      </a:r>
-                      <a:endParaRPr kumimoji="1" lang="ja-JP" altLang="en-US" sz="1200">
-                        <a:latin typeface="+mj-lt"/>
-                      </a:endParaRPr>
-                    </a:p>
-                  </a:txBody>
-                  <a:tcPr/>
-                </a:tc>
-              </a:tr>
-              <a:tr h="0">
-                <a:tc rowSpan="10">
-                  <a:txBody>
-                    <a:bodyPr/>
-                    <a:lstStyle/>
-                    <a:p>
-                      <a:r>
-                        <a:rPr kumimoji="1" lang="ja-JP" altLang="en-US" sz="1200" smtClean="0">
-                          <a:latin typeface="+mj-lt"/>
-                        </a:rPr>
-                        <a:t>コンテナ関連</a:t>
-                      </a:r>
-                      <a:endParaRPr kumimoji="1" lang="ja-JP" altLang="en-US" sz="1200">
-                        <a:latin typeface="+mj-lt"/>
-                      </a:endParaRPr>
-                    </a:p>
-                  </a:txBody>
-                  <a:tcPr/>
-                </a:tc>
-                <a:tc>
-                  <a:txBody>
-                    <a:bodyPr/>
-                    <a:lstStyle/>
-                    <a:p>
-                      <a:r>
-                        <a:rPr kumimoji="1" lang="ja-JP" altLang="en-US" sz="1200" smtClean="0">
-                          <a:latin typeface="+mj-lt"/>
-                        </a:rPr>
-                        <a:t>動いているコンテナ一覧</a:t>
-                      </a:r>
-                      <a:endParaRPr kumimoji="1" lang="ja-JP" altLang="en-US" sz="1200">
-                        <a:latin typeface="+mj-lt"/>
-                      </a:endParaRPr>
-                    </a:p>
-                  </a:txBody>
-                  <a:tcPr/>
-                </a:tc>
-                <a:tc>
-                  <a:txBody>
-                    <a:bodyPr/>
-                    <a:lstStyle/>
-                    <a:p>
-                      <a:r>
-                        <a:rPr kumimoji="1" lang="en-US" altLang="ja-JP" sz="1200" smtClean="0">
-                          <a:latin typeface="+mj-lt"/>
-                        </a:rPr>
-                        <a:t>sudo docker</a:t>
-                      </a:r>
-                      <a:r>
-                        <a:rPr kumimoji="1" lang="en-US" altLang="ja-JP" sz="1200" baseline="0" smtClean="0">
-                          <a:latin typeface="+mj-lt"/>
-                        </a:rPr>
-                        <a:t> ps</a:t>
-                      </a:r>
-                      <a:endParaRPr kumimoji="1" lang="ja-JP" altLang="en-US" sz="1200">
-                        <a:latin typeface="+mj-lt"/>
-                      </a:endParaRPr>
-                    </a:p>
-                  </a:txBody>
-                  <a:tcPr/>
-                </a:tc>
-              </a:tr>
-              <a:tr h="0">
-                <a:tc vMerge="1">
-                  <a:txBody>
-                    <a:bodyPr/>
-                    <a:lstStyle/>
-                    <a:p>
-                      <a:endParaRPr kumimoji="1" lang="ja-JP" altLang="en-US" sz="1200">
-                        <a:latin typeface="+mj-lt"/>
-                      </a:endParaRPr>
-                    </a:p>
-                  </a:txBody>
-                  <a:tcPr/>
-                </a:tc>
-                <a:tc>
-                  <a:txBody>
-                    <a:bodyPr/>
-                    <a:lstStyle/>
-                    <a:p>
-                      <a:r>
-                        <a:rPr kumimoji="1" lang="ja-JP" altLang="en-US" sz="1200" smtClean="0">
-                          <a:latin typeface="+mj-lt"/>
-                        </a:rPr>
-                        <a:t>すべてのコンテナ一覧</a:t>
-                      </a:r>
-                      <a:endParaRPr kumimoji="1" lang="ja-JP" altLang="en-US" sz="1200">
-                        <a:latin typeface="+mj-lt"/>
-                      </a:endParaRPr>
-                    </a:p>
-                  </a:txBody>
-                  <a:tcPr/>
-                </a:tc>
-                <a:tc>
-                  <a:txBody>
-                    <a:bodyPr/>
-                    <a:lstStyle/>
-                    <a:p>
-                      <a:r>
-                        <a:rPr kumimoji="1" lang="en-US" altLang="ja-JP" sz="1200" smtClean="0">
-                          <a:latin typeface="+mj-lt"/>
-                        </a:rPr>
-                        <a:t>sudo docker ps –a</a:t>
-                      </a:r>
-                      <a:endParaRPr kumimoji="1" lang="ja-JP" altLang="en-US" sz="1200">
-                        <a:latin typeface="+mj-lt"/>
-                      </a:endParaRPr>
-                    </a:p>
-                  </a:txBody>
-                  <a:tcPr/>
-                </a:tc>
-              </a:tr>
-              <a:tr h="0">
-                <a:tc vMerge="1">
-                  <a:txBody>
-                    <a:bodyPr/>
-                    <a:lstStyle/>
-                    <a:p>
-                      <a:endParaRPr kumimoji="1" lang="ja-JP" altLang="en-US" sz="1200">
-                        <a:latin typeface="+mj-lt"/>
-                      </a:endParaRPr>
-                    </a:p>
-                  </a:txBody>
-                  <a:tcPr/>
-                </a:tc>
-                <a:tc>
-                  <a:txBody>
-                    <a:bodyPr/>
-                    <a:lstStyle/>
-                    <a:p>
-                      <a:r>
-                        <a:rPr kumimoji="1" lang="ja-JP" altLang="en-US" sz="1200" smtClean="0">
-                          <a:latin typeface="+mj-lt"/>
-                        </a:rPr>
-                        <a:t>コンテナ起動</a:t>
-                      </a:r>
-                      <a:r>
-                        <a:rPr kumimoji="1" lang="en-US" altLang="ja-JP" sz="1200" smtClean="0">
-                          <a:latin typeface="+mj-lt"/>
-                        </a:rPr>
-                        <a:t>(</a:t>
-                      </a:r>
-                      <a:r>
-                        <a:rPr kumimoji="1" lang="ja-JP" altLang="en-US" sz="1200" smtClean="0">
-                          <a:latin typeface="+mj-lt"/>
-                        </a:rPr>
-                        <a:t>バックグラウンド</a:t>
-                      </a:r>
-                      <a:r>
-                        <a:rPr kumimoji="1" lang="en-US" altLang="ja-JP" sz="1200" smtClean="0">
-                          <a:latin typeface="+mj-lt"/>
-                        </a:rPr>
-                        <a:t>)</a:t>
-                      </a:r>
-                      <a:endParaRPr kumimoji="1" lang="ja-JP" altLang="en-US" sz="1200">
-                        <a:latin typeface="+mj-lt"/>
-                      </a:endParaRPr>
-                    </a:p>
-                  </a:txBody>
-                  <a:tcPr/>
-                </a:tc>
-                <a:tc>
-                  <a:txBody>
-                    <a:bodyPr/>
-                    <a:lstStyle/>
-                    <a:p>
-                      <a:r>
-                        <a:rPr kumimoji="1" lang="en-US" altLang="ja-JP" sz="1200" smtClean="0">
-                          <a:latin typeface="+mj-lt"/>
-                        </a:rPr>
-                        <a:t>sudo docker run –d  </a:t>
-                      </a:r>
-                      <a:r>
-                        <a:rPr kumimoji="1" lang="en-US" altLang="ja-JP" sz="1200" kern="1200" smtClean="0">
-                          <a:solidFill>
-                            <a:schemeClr val="tx1"/>
-                          </a:solidFill>
-                          <a:latin typeface="+mn-lt"/>
-                          <a:ea typeface="+mn-ea"/>
-                          <a:cs typeface="+mn-cs"/>
-                        </a:rPr>
-                        <a:t>&lt;</a:t>
-                      </a:r>
-                      <a:r>
-                        <a:rPr kumimoji="1" lang="ja-JP" altLang="en-US" sz="1200" kern="1200" smtClean="0">
-                          <a:solidFill>
-                            <a:schemeClr val="tx1"/>
-                          </a:solidFill>
-                          <a:latin typeface="+mn-lt"/>
-                          <a:ea typeface="+mn-ea"/>
-                          <a:cs typeface="+mn-cs"/>
-                        </a:rPr>
-                        <a:t>イメージ名</a:t>
-                      </a:r>
-                      <a:r>
-                        <a:rPr kumimoji="1" lang="en-US" altLang="ja-JP" sz="1200" kern="1200" smtClean="0">
-                          <a:solidFill>
-                            <a:schemeClr val="tx1"/>
-                          </a:solidFill>
-                          <a:latin typeface="+mn-lt"/>
-                          <a:ea typeface="+mn-ea"/>
-                          <a:cs typeface="+mn-cs"/>
-                        </a:rPr>
-                        <a:t>&gt;:&lt;TAG&gt;</a:t>
-                      </a:r>
-                      <a:r>
-                        <a:rPr kumimoji="1" lang="en-US" altLang="ja-JP" sz="1200" kern="1200" baseline="0" smtClean="0">
-                          <a:solidFill>
-                            <a:schemeClr val="tx1"/>
-                          </a:solidFill>
-                          <a:latin typeface="+mn-lt"/>
-                          <a:ea typeface="+mn-ea"/>
-                          <a:cs typeface="+mn-cs"/>
-                        </a:rPr>
-                        <a:t> [CMD(</a:t>
-                      </a:r>
-                      <a:r>
-                        <a:rPr kumimoji="1" lang="ja-JP" altLang="en-US" sz="1200" kern="1200" baseline="0" smtClean="0">
-                          <a:solidFill>
-                            <a:schemeClr val="tx1"/>
-                          </a:solidFill>
-                          <a:latin typeface="+mn-lt"/>
-                          <a:ea typeface="+mn-ea"/>
-                          <a:cs typeface="+mn-cs"/>
-                        </a:rPr>
-                        <a:t>上書きする場合</a:t>
-                      </a:r>
-                      <a:r>
-                        <a:rPr kumimoji="1" lang="en-US" altLang="ja-JP" sz="1200" kern="1200" baseline="0" smtClean="0">
-                          <a:solidFill>
-                            <a:schemeClr val="tx1"/>
-                          </a:solidFill>
-                          <a:latin typeface="+mn-lt"/>
-                          <a:ea typeface="+mn-ea"/>
-                          <a:cs typeface="+mn-cs"/>
-                        </a:rPr>
-                        <a:t>)]</a:t>
-                      </a:r>
-                      <a:endParaRPr kumimoji="1" lang="ja-JP" altLang="en-US" sz="1200">
-                        <a:latin typeface="+mj-lt"/>
-                      </a:endParaRPr>
-                    </a:p>
-                  </a:txBody>
-                  <a:tcPr/>
-                </a:tc>
-              </a:tr>
-              <a:tr h="0">
-                <a:tc vMerge="1">
-                  <a:txBody>
-                    <a:bodyPr/>
-                    <a:lstStyle/>
-                    <a:p>
-                      <a:endParaRPr kumimoji="1" lang="ja-JP" altLang="en-US" sz="1200">
-                        <a:latin typeface="+mj-lt"/>
-                      </a:endParaRPr>
-                    </a:p>
-                  </a:txBody>
-                  <a:tcPr/>
-                </a:tc>
-                <a:tc>
-                  <a:txBody>
-                    <a:bodyPr/>
-                    <a:lstStyle/>
-                    <a:p>
-                      <a:r>
-                        <a:rPr kumimoji="1" lang="ja-JP" altLang="en-US" sz="1200" smtClean="0">
-                          <a:latin typeface="+mj-lt"/>
-                        </a:rPr>
-                        <a:t>コンテナ起動</a:t>
-                      </a:r>
-                      <a:r>
-                        <a:rPr kumimoji="1" lang="en-US" altLang="ja-JP" sz="1200" smtClean="0">
-                          <a:latin typeface="+mj-lt"/>
-                        </a:rPr>
-                        <a:t>(</a:t>
-                      </a:r>
-                      <a:r>
-                        <a:rPr kumimoji="1" lang="ja-JP" altLang="en-US" sz="1200" smtClean="0">
-                          <a:latin typeface="+mj-lt"/>
-                        </a:rPr>
-                        <a:t>ターミナルに入る</a:t>
-                      </a:r>
-                      <a:r>
-                        <a:rPr kumimoji="1" lang="en-US" altLang="ja-JP" sz="1200" smtClean="0">
-                          <a:latin typeface="+mj-lt"/>
-                        </a:rPr>
-                        <a:t>)</a:t>
-                      </a:r>
-                      <a:endParaRPr kumimoji="1" lang="ja-JP" altLang="en-US" sz="1200">
-                        <a:latin typeface="+mj-lt"/>
-                      </a:endParaRPr>
-                    </a:p>
-                  </a:txBody>
-                  <a:tcPr/>
-                </a:tc>
-                <a:tc>
-                  <a:txBody>
-                    <a:bodyPr/>
-                    <a:lstStyle/>
-                    <a:p>
-                      <a:pPr marL="0" marR="0" lvl="0" indent="0" algn="l" defTabSz="914400" rtl="0" eaLnBrk="1" fontAlgn="auto" latinLnBrk="0" hangingPunct="1">
-                        <a:lnSpc>
-                          <a:spcPct val="100000"/>
-                        </a:lnSpc>
-                        <a:spcBef>
-                          <a:spcPts val="0"/>
-                        </a:spcBef>
-                        <a:spcAft>
-                          <a:spcPts val="0"/>
-                        </a:spcAft>
-                        <a:buClrTx/>
-                        <a:buSzTx/>
-                        <a:buFontTx/>
-                        <a:buNone/>
-                        <a:tabLst/>
-                        <a:defRPr/>
-                      </a:pPr>
-                      <a:r>
-                        <a:rPr kumimoji="1" lang="en-US" altLang="ja-JP" sz="1200" kern="1200" smtClean="0">
-                          <a:solidFill>
-                            <a:schemeClr val="tx1"/>
-                          </a:solidFill>
-                          <a:latin typeface="+mn-lt"/>
-                          <a:ea typeface="+mn-ea"/>
-                          <a:cs typeface="+mn-cs"/>
-                        </a:rPr>
-                        <a:t>sudo docker run –it  &lt;</a:t>
-                      </a:r>
-                      <a:r>
-                        <a:rPr kumimoji="1" lang="ja-JP" altLang="en-US" sz="1200" kern="1200" smtClean="0">
-                          <a:solidFill>
-                            <a:schemeClr val="tx1"/>
-                          </a:solidFill>
-                          <a:latin typeface="+mn-lt"/>
-                          <a:ea typeface="+mn-ea"/>
-                          <a:cs typeface="+mn-cs"/>
-                        </a:rPr>
-                        <a:t>イメージ名</a:t>
-                      </a:r>
-                      <a:r>
-                        <a:rPr kumimoji="1" lang="en-US" altLang="ja-JP" sz="1200" kern="1200" smtClean="0">
-                          <a:solidFill>
-                            <a:schemeClr val="tx1"/>
-                          </a:solidFill>
-                          <a:latin typeface="+mn-lt"/>
-                          <a:ea typeface="+mn-ea"/>
-                          <a:cs typeface="+mn-cs"/>
-                        </a:rPr>
-                        <a:t>&gt;:&lt;TAG&gt;</a:t>
-                      </a:r>
-                      <a:r>
-                        <a:rPr kumimoji="1" lang="en-US" altLang="ja-JP" sz="1200" kern="1200" baseline="0" smtClean="0">
-                          <a:solidFill>
-                            <a:schemeClr val="tx1"/>
-                          </a:solidFill>
-                          <a:latin typeface="+mn-lt"/>
-                          <a:ea typeface="+mn-ea"/>
-                          <a:cs typeface="+mn-cs"/>
-                        </a:rPr>
-                        <a:t> bash</a:t>
-                      </a:r>
-                      <a:endParaRPr kumimoji="1" lang="ja-JP" altLang="en-US" sz="1200" kern="1200" smtClean="0">
-                        <a:solidFill>
-                          <a:schemeClr val="tx1"/>
-                        </a:solidFill>
-                        <a:latin typeface="+mn-lt"/>
-                        <a:ea typeface="+mn-ea"/>
-                        <a:cs typeface="+mn-cs"/>
-                      </a:endParaRPr>
-                    </a:p>
-                  </a:txBody>
-                  <a:tcPr/>
-                </a:tc>
-              </a:tr>
-              <a:tr h="0">
-                <a:tc vMerge="1">
-                  <a:txBody>
-                    <a:bodyPr/>
-                    <a:lstStyle/>
-                    <a:p>
-                      <a:endParaRPr kumimoji="1" lang="ja-JP" altLang="en-US" sz="1200">
-                        <a:latin typeface="+mj-lt"/>
-                      </a:endParaRPr>
-                    </a:p>
-                  </a:txBody>
-                  <a:tcPr/>
-                </a:tc>
-                <a:tc>
-                  <a:txBody>
-                    <a:bodyPr/>
-                    <a:lstStyle/>
-                    <a:p>
-                      <a:r>
-                        <a:rPr kumimoji="1" lang="ja-JP" altLang="en-US" sz="1200" smtClean="0">
-                          <a:latin typeface="+mj-lt"/>
-                        </a:rPr>
-                        <a:t>起動中のコンテナのターミナルに入る</a:t>
-                      </a:r>
-                      <a:endParaRPr kumimoji="1" lang="ja-JP" altLang="en-US" sz="1200">
-                        <a:latin typeface="+mj-lt"/>
-                      </a:endParaRPr>
-                    </a:p>
-                  </a:txBody>
-                  <a:tcPr/>
-                </a:tc>
-                <a:tc>
-                  <a:txBody>
-                    <a:bodyPr/>
-                    <a:lstStyle/>
-                    <a:p>
-                      <a:r>
-                        <a:rPr kumimoji="1" lang="en-US" altLang="ja-JP" sz="1200" smtClean="0">
-                          <a:latin typeface="+mj-lt"/>
-                        </a:rPr>
-                        <a:t>sudo docker exec –it &lt;</a:t>
-                      </a:r>
-                      <a:r>
-                        <a:rPr kumimoji="1" lang="ja-JP" altLang="en-US" sz="1200" smtClean="0">
-                          <a:latin typeface="+mj-lt"/>
-                        </a:rPr>
-                        <a:t>コンテナ名</a:t>
-                      </a:r>
-                      <a:r>
-                        <a:rPr kumimoji="1" lang="en-US" altLang="ja-JP" sz="1200" smtClean="0">
-                          <a:latin typeface="+mj-lt"/>
-                        </a:rPr>
-                        <a:t>&gt; bash</a:t>
-                      </a:r>
-                      <a:endParaRPr kumimoji="1" lang="ja-JP" altLang="en-US" sz="1200">
-                        <a:latin typeface="+mj-lt"/>
-                      </a:endParaRPr>
-                    </a:p>
-                  </a:txBody>
-                  <a:tcPr/>
-                </a:tc>
-              </a:tr>
-              <a:tr h="0">
-                <a:tc vMerge="1">
-                  <a:txBody>
-                    <a:bodyPr/>
-                    <a:lstStyle/>
-                    <a:p>
-                      <a:endParaRPr kumimoji="1" lang="ja-JP" altLang="en-US" sz="1200">
-                        <a:latin typeface="+mj-lt"/>
-                      </a:endParaRPr>
-                    </a:p>
-                  </a:txBody>
-                  <a:tcPr/>
-                </a:tc>
-                <a:tc>
-                  <a:txBody>
-                    <a:bodyPr/>
-                    <a:lstStyle/>
-                    <a:p>
-                      <a:r>
-                        <a:rPr lang="ja-JP" altLang="en-US" sz="1200" smtClean="0"/>
-                        <a:t>コンテナ停止</a:t>
-                      </a:r>
-                      <a:endParaRPr lang="ja-JP" altLang="en-US" sz="1200"/>
-                    </a:p>
-                  </a:txBody>
-                  <a:tcPr/>
-                </a:tc>
-                <a:tc>
-                  <a:txBody>
-                    <a:bodyPr/>
-                    <a:lstStyle/>
-                    <a:p>
-                      <a:r>
-                        <a:rPr lang="en-US" altLang="ja-JP" sz="1200" smtClean="0"/>
-                        <a:t>sudo docker stop &lt;</a:t>
-                      </a:r>
-                      <a:r>
-                        <a:rPr lang="ja-JP" altLang="en-US" sz="1200" smtClean="0"/>
-                        <a:t>コンテナ名</a:t>
-                      </a:r>
-                      <a:r>
-                        <a:rPr lang="en-US" altLang="ja-JP" sz="1200" smtClean="0"/>
-                        <a:t>&gt;</a:t>
-                      </a:r>
-                      <a:endParaRPr lang="ja-JP" altLang="en-US" sz="1200"/>
-                    </a:p>
-                  </a:txBody>
-                  <a:tcPr/>
-                </a:tc>
-              </a:tr>
-              <a:tr h="0">
-                <a:tc vMerge="1">
-                  <a:txBody>
-                    <a:bodyPr/>
-                    <a:lstStyle/>
-                    <a:p>
-                      <a:endParaRPr kumimoji="1" lang="ja-JP" altLang="en-US" sz="1200">
-                        <a:latin typeface="+mj-lt"/>
-                      </a:endParaRPr>
-                    </a:p>
-                  </a:txBody>
-                  <a:tcPr/>
-                </a:tc>
-                <a:tc>
-                  <a:txBody>
-                    <a:bodyPr/>
-                    <a:lstStyle/>
-                    <a:p>
-                      <a:r>
-                        <a:rPr lang="ja-JP" altLang="en-US" sz="1200" smtClean="0"/>
-                        <a:t>コンテナ削除</a:t>
-                      </a:r>
-                      <a:endParaRPr lang="ja-JP" altLang="en-US" sz="1200"/>
-                    </a:p>
-                  </a:txBody>
-                  <a:tcPr/>
-                </a:tc>
-                <a:tc>
-                  <a:txBody>
-                    <a:bodyPr/>
-                    <a:lstStyle/>
-                    <a:p>
-                      <a:r>
-                        <a:rPr lang="en-US" altLang="ja-JP" sz="1200" smtClean="0"/>
-                        <a:t>sudo docker rm &lt;</a:t>
-                      </a:r>
-                      <a:r>
-                        <a:rPr lang="ja-JP" altLang="en-US" sz="1200" smtClean="0"/>
-                        <a:t>コンテナ名</a:t>
-                      </a:r>
-                      <a:r>
-                        <a:rPr lang="en-US" altLang="ja-JP" sz="1200" smtClean="0"/>
-                        <a:t>&gt;</a:t>
-                      </a:r>
-                      <a:endParaRPr lang="ja-JP" altLang="en-US" sz="1200"/>
-                    </a:p>
-                  </a:txBody>
-                  <a:tcPr/>
-                </a:tc>
-              </a:tr>
-              <a:tr h="0">
-                <a:tc vMerge="1">
-                  <a:txBody>
-                    <a:bodyPr/>
-                    <a:lstStyle/>
-                    <a:p>
-                      <a:endParaRPr kumimoji="1" lang="ja-JP" altLang="en-US" sz="1200">
-                        <a:latin typeface="+mj-lt"/>
-                      </a:endParaRPr>
-                    </a:p>
-                  </a:txBody>
-                  <a:tcPr/>
-                </a:tc>
-                <a:tc>
-                  <a:txBody>
-                    <a:bodyPr/>
-                    <a:lstStyle/>
-                    <a:p>
-                      <a:r>
-                        <a:rPr kumimoji="1" lang="ja-JP" altLang="en-US" sz="1200" smtClean="0">
-                          <a:latin typeface="+mj-lt"/>
-                        </a:rPr>
-                        <a:t>止まっているコンテナ全削除</a:t>
-                      </a:r>
-                      <a:endParaRPr kumimoji="1" lang="ja-JP" altLang="en-US" sz="1200">
-                        <a:latin typeface="+mj-lt"/>
-                      </a:endParaRPr>
-                    </a:p>
-                  </a:txBody>
-                  <a:tcPr/>
-                </a:tc>
-                <a:tc>
-                  <a:txBody>
-                    <a:bodyPr/>
-                    <a:lstStyle/>
-                    <a:p>
-                      <a:r>
-                        <a:rPr kumimoji="1" lang="en-US" altLang="ja-JP" sz="1200" smtClean="0">
-                          <a:latin typeface="+mj-lt"/>
-                        </a:rPr>
-                        <a:t>sudo docker rm $(sudo docker ps –q –a)</a:t>
-                      </a:r>
-                      <a:endParaRPr kumimoji="1" lang="ja-JP" altLang="en-US" sz="1200">
-                        <a:latin typeface="+mj-lt"/>
-                      </a:endParaRPr>
-                    </a:p>
-                  </a:txBody>
-                  <a:tcPr/>
-                </a:tc>
-              </a:tr>
-              <a:tr h="0">
-                <a:tc vMerge="1">
-                  <a:txBody>
-                    <a:bodyPr/>
-                    <a:lstStyle/>
-                    <a:p>
-                      <a:endParaRPr kumimoji="1" lang="ja-JP" altLang="en-US" sz="1200">
-                        <a:latin typeface="+mj-lt"/>
-                      </a:endParaRPr>
-                    </a:p>
-                  </a:txBody>
-                  <a:tcPr/>
-                </a:tc>
-                <a:tc>
-                  <a:txBody>
-                    <a:bodyPr/>
-                    <a:lstStyle/>
-                    <a:p>
-                      <a:r>
-                        <a:rPr lang="ja-JP" altLang="en-US" sz="1200" smtClean="0"/>
-                        <a:t>コンテナの</a:t>
-                      </a:r>
-                      <a:r>
-                        <a:rPr lang="en-US" altLang="ja-JP" sz="1200" smtClean="0"/>
-                        <a:t>stdout/err</a:t>
-                      </a:r>
-                      <a:r>
-                        <a:rPr lang="ja-JP" altLang="en-US" sz="1200" smtClean="0"/>
-                        <a:t>表示</a:t>
-                      </a:r>
-                      <a:endParaRPr lang="ja-JP" altLang="en-US" sz="1200"/>
-                    </a:p>
-                  </a:txBody>
-                  <a:tcPr/>
-                </a:tc>
-                <a:tc>
-                  <a:txBody>
-                    <a:bodyPr/>
-                    <a:lstStyle/>
-                    <a:p>
-                      <a:r>
-                        <a:rPr lang="en-US" altLang="ja-JP" sz="1200" smtClean="0"/>
-                        <a:t>sudo docker logs &lt;</a:t>
-                      </a:r>
-                      <a:r>
-                        <a:rPr lang="ja-JP" altLang="en-US" sz="1200" smtClean="0"/>
-                        <a:t>コンテナ名</a:t>
-                      </a:r>
-                      <a:r>
-                        <a:rPr lang="en-US" altLang="ja-JP" sz="1200" smtClean="0"/>
-                        <a:t>&gt;</a:t>
-                      </a:r>
-                      <a:endParaRPr lang="ja-JP" altLang="en-US" sz="1200"/>
-                    </a:p>
-                  </a:txBody>
-                  <a:tcPr/>
-                </a:tc>
-              </a:tr>
-              <a:tr h="0">
-                <a:tc vMerge="1">
-                  <a:txBody>
-                    <a:bodyPr/>
-                    <a:lstStyle/>
-                    <a:p>
-                      <a:endParaRPr kumimoji="1" lang="ja-JP" altLang="en-US" sz="1200">
-                        <a:latin typeface="+mj-lt"/>
-                      </a:endParaRPr>
-                    </a:p>
-                  </a:txBody>
-                  <a:tcPr/>
-                </a:tc>
-                <a:tc>
-                  <a:txBody>
-                    <a:bodyPr/>
-                    <a:lstStyle/>
-                    <a:p>
-                      <a:r>
-                        <a:rPr kumimoji="1" lang="ja-JP" altLang="en-US" sz="1200" smtClean="0">
-                          <a:latin typeface="+mj-lt"/>
-                        </a:rPr>
-                        <a:t>コンテナの設定確認</a:t>
-                      </a:r>
-                      <a:endParaRPr kumimoji="1" lang="ja-JP" altLang="en-US" sz="1200">
-                        <a:latin typeface="+mj-lt"/>
-                      </a:endParaRPr>
-                    </a:p>
-                  </a:txBody>
-                  <a:tcPr/>
-                </a:tc>
-                <a:tc>
-                  <a:txBody>
-                    <a:bodyPr/>
-                    <a:lstStyle/>
-                    <a:p>
-                      <a:r>
-                        <a:rPr kumimoji="1" lang="en-US" altLang="ja-JP" sz="1200" smtClean="0">
-                          <a:latin typeface="+mj-lt"/>
-                        </a:rPr>
-                        <a:t>sudo docker inspect &lt;</a:t>
-                      </a:r>
-                      <a:r>
-                        <a:rPr kumimoji="1" lang="ja-JP" altLang="en-US" sz="1200" smtClean="0">
-                          <a:latin typeface="+mj-lt"/>
-                        </a:rPr>
-                        <a:t>コンテナ名</a:t>
-                      </a:r>
-                      <a:r>
-                        <a:rPr kumimoji="1" lang="en-US" altLang="ja-JP" sz="1200" smtClean="0">
-                          <a:latin typeface="+mj-lt"/>
-                        </a:rPr>
-                        <a:t>&gt;</a:t>
-                      </a:r>
-                      <a:endParaRPr kumimoji="1" lang="ja-JP" altLang="en-US" sz="1200">
-                        <a:latin typeface="+mj-lt"/>
-                      </a:endParaRPr>
-                    </a:p>
-                  </a:txBody>
-                  <a:tcPr/>
-                </a:tc>
-              </a:tr>
-            </a:tbl>
-          </a:graphicData>
-        </a:graphic>
-      </p:graphicFrame>
-    </p:spTree>
-    <p:extLst>
-      <p:ext uri="{BB962C8B-B14F-4D97-AF65-F5344CB8AC3E}">
-        <p14:creationId xmlns:p14="http://schemas.microsoft.com/office/powerpoint/2010/main" val="139119481"/>
       </p:ext>
     </p:extLst>
   </p:cSld>
